--- a/2024_OyamaPresentation.pptx
+++ b/2024_OyamaPresentation.pptx
@@ -5,7 +5,7 @@
     <p:sldMasterId id="2147483648" r:id="rId1"/>
   </p:sldMasterIdLst>
   <p:notesMasterIdLst>
-    <p:notesMasterId r:id="rId10"/>
+    <p:notesMasterId r:id="rId11"/>
   </p:notesMasterIdLst>
   <p:sldIdLst>
     <p:sldId id="267" r:id="rId2"/>
@@ -13,9 +13,10 @@
     <p:sldId id="272" r:id="rId4"/>
     <p:sldId id="273" r:id="rId5"/>
     <p:sldId id="268" r:id="rId6"/>
-    <p:sldId id="269" r:id="rId7"/>
-    <p:sldId id="270" r:id="rId8"/>
-    <p:sldId id="271" r:id="rId9"/>
+    <p:sldId id="274" r:id="rId7"/>
+    <p:sldId id="269" r:id="rId8"/>
+    <p:sldId id="270" r:id="rId9"/>
+    <p:sldId id="271" r:id="rId10"/>
   </p:sldIdLst>
   <p:sldSz cx="12192000" cy="6858000"/>
   <p:notesSz cx="6858000" cy="9144000"/>
@@ -204,7 +205,7 @@
           <a:p>
             <a:fld id="{E73ED13F-1A93-4818-9C31-F3E1C94C0730}" type="datetimeFigureOut">
               <a:rPr kumimoji="1" lang="ja-JP" altLang="en-US" smtClean="0"/>
-              <a:t>2024/2/18</a:t>
+              <a:t>2024/2/20</a:t>
             </a:fld>
             <a:endParaRPr kumimoji="1" lang="ja-JP" altLang="en-US"/>
           </a:p>
@@ -568,7 +569,7 @@
           <a:p>
             <a:fld id="{4F3B5593-8316-4EEF-ABDC-8DF1BB8D4C90}" type="slidenum">
               <a:rPr kumimoji="1" lang="ja-JP" altLang="en-US" smtClean="0"/>
-              <a:t>7</a:t>
+              <a:t>8</a:t>
             </a:fld>
             <a:endParaRPr kumimoji="1" lang="ja-JP" altLang="en-US"/>
           </a:p>
@@ -734,7 +735,7 @@
           <a:p>
             <a:fld id="{6C811EE1-E4DD-4C9D-8BB2-9F96681BCEBD}" type="datetimeFigureOut">
               <a:rPr kumimoji="1" lang="ja-JP" altLang="en-US" smtClean="0"/>
-              <a:t>2024/2/17</a:t>
+              <a:t>2024/2/20</a:t>
             </a:fld>
             <a:endParaRPr kumimoji="1" lang="ja-JP" altLang="en-US"/>
           </a:p>
@@ -964,7 +965,7 @@
           <a:p>
             <a:fld id="{6C811EE1-E4DD-4C9D-8BB2-9F96681BCEBD}" type="datetimeFigureOut">
               <a:rPr kumimoji="1" lang="ja-JP" altLang="en-US" smtClean="0"/>
-              <a:t>2024/2/17</a:t>
+              <a:t>2024/2/20</a:t>
             </a:fld>
             <a:endParaRPr kumimoji="1" lang="ja-JP" altLang="en-US"/>
           </a:p>
@@ -1204,7 +1205,7 @@
           <a:p>
             <a:fld id="{6C811EE1-E4DD-4C9D-8BB2-9F96681BCEBD}" type="datetimeFigureOut">
               <a:rPr kumimoji="1" lang="ja-JP" altLang="en-US" smtClean="0"/>
-              <a:t>2024/2/17</a:t>
+              <a:t>2024/2/20</a:t>
             </a:fld>
             <a:endParaRPr kumimoji="1" lang="ja-JP" altLang="en-US"/>
           </a:p>
@@ -1434,7 +1435,7 @@
           <a:p>
             <a:fld id="{6C811EE1-E4DD-4C9D-8BB2-9F96681BCEBD}" type="datetimeFigureOut">
               <a:rPr kumimoji="1" lang="ja-JP" altLang="en-US" smtClean="0"/>
-              <a:t>2024/2/17</a:t>
+              <a:t>2024/2/20</a:t>
             </a:fld>
             <a:endParaRPr kumimoji="1" lang="ja-JP" altLang="en-US"/>
           </a:p>
@@ -1709,7 +1710,7 @@
           <a:p>
             <a:fld id="{6C811EE1-E4DD-4C9D-8BB2-9F96681BCEBD}" type="datetimeFigureOut">
               <a:rPr kumimoji="1" lang="ja-JP" altLang="en-US" smtClean="0"/>
-              <a:t>2024/2/17</a:t>
+              <a:t>2024/2/20</a:t>
             </a:fld>
             <a:endParaRPr kumimoji="1" lang="ja-JP" altLang="en-US"/>
           </a:p>
@@ -2038,7 +2039,7 @@
           <a:p>
             <a:fld id="{6C811EE1-E4DD-4C9D-8BB2-9F96681BCEBD}" type="datetimeFigureOut">
               <a:rPr kumimoji="1" lang="ja-JP" altLang="en-US" smtClean="0"/>
-              <a:t>2024/2/17</a:t>
+              <a:t>2024/2/20</a:t>
             </a:fld>
             <a:endParaRPr kumimoji="1" lang="ja-JP" altLang="en-US"/>
           </a:p>
@@ -2514,7 +2515,7 @@
           <a:p>
             <a:fld id="{6C811EE1-E4DD-4C9D-8BB2-9F96681BCEBD}" type="datetimeFigureOut">
               <a:rPr kumimoji="1" lang="ja-JP" altLang="en-US" smtClean="0"/>
-              <a:t>2024/2/17</a:t>
+              <a:t>2024/2/20</a:t>
             </a:fld>
             <a:endParaRPr kumimoji="1" lang="ja-JP" altLang="en-US"/>
           </a:p>
@@ -2655,7 +2656,7 @@
           <a:p>
             <a:fld id="{6C811EE1-E4DD-4C9D-8BB2-9F96681BCEBD}" type="datetimeFigureOut">
               <a:rPr kumimoji="1" lang="ja-JP" altLang="en-US" smtClean="0"/>
-              <a:t>2024/2/17</a:t>
+              <a:t>2024/2/20</a:t>
             </a:fld>
             <a:endParaRPr kumimoji="1" lang="ja-JP" altLang="en-US"/>
           </a:p>
@@ -2768,7 +2769,7 @@
           <a:p>
             <a:fld id="{6C811EE1-E4DD-4C9D-8BB2-9F96681BCEBD}" type="datetimeFigureOut">
               <a:rPr kumimoji="1" lang="ja-JP" altLang="en-US" smtClean="0"/>
-              <a:t>2024/2/17</a:t>
+              <a:t>2024/2/20</a:t>
             </a:fld>
             <a:endParaRPr kumimoji="1" lang="ja-JP" altLang="en-US"/>
           </a:p>
@@ -3111,7 +3112,7 @@
           <a:p>
             <a:fld id="{6C811EE1-E4DD-4C9D-8BB2-9F96681BCEBD}" type="datetimeFigureOut">
               <a:rPr kumimoji="1" lang="ja-JP" altLang="en-US" smtClean="0"/>
-              <a:t>2024/2/17</a:t>
+              <a:t>2024/2/20</a:t>
             </a:fld>
             <a:endParaRPr kumimoji="1" lang="ja-JP" altLang="en-US"/>
           </a:p>
@@ -3399,7 +3400,7 @@
           <a:p>
             <a:fld id="{6C811EE1-E4DD-4C9D-8BB2-9F96681BCEBD}" type="datetimeFigureOut">
               <a:rPr kumimoji="1" lang="ja-JP" altLang="en-US" smtClean="0"/>
-              <a:t>2024/2/17</a:t>
+              <a:t>2024/2/20</a:t>
             </a:fld>
             <a:endParaRPr kumimoji="1" lang="ja-JP" altLang="en-US"/>
           </a:p>
@@ -3672,7 +3673,7 @@
           <a:p>
             <a:fld id="{6C811EE1-E4DD-4C9D-8BB2-9F96681BCEBD}" type="datetimeFigureOut">
               <a:rPr kumimoji="1" lang="ja-JP" altLang="en-US" smtClean="0"/>
-              <a:t>2024/2/17</a:t>
+              <a:t>2024/2/20</a:t>
             </a:fld>
             <a:endParaRPr kumimoji="1" lang="ja-JP" altLang="en-US"/>
           </a:p>
@@ -6664,6 +6665,72 @@
           <a:chExt cx="0" cy="0"/>
         </a:xfrm>
       </p:grpSpPr>
+      <p:pic>
+        <p:nvPicPr>
+          <p:cNvPr id="5" name="図 4" descr="コンピューターの画面のスクリーンショット&#10;&#10;自動的に生成された説明">
+            <a:extLst>
+              <a:ext uri="{FF2B5EF4-FFF2-40B4-BE49-F238E27FC236}">
+                <a16:creationId xmlns:a16="http://schemas.microsoft.com/office/drawing/2014/main" id="{5FFE2C0A-8BAB-CCB7-249D-2C208F928E68}"/>
+              </a:ext>
+            </a:extLst>
+          </p:cNvPr>
+          <p:cNvPicPr>
+            <a:picLocks noChangeAspect="1"/>
+          </p:cNvPicPr>
+          <p:nvPr/>
+        </p:nvPicPr>
+        <p:blipFill>
+          <a:blip r:embed="rId2">
+            <a:extLst>
+              <a:ext uri="{28A0092B-C50C-407E-A947-70E740481C1C}">
+                <a14:useLocalDpi xmlns:a14="http://schemas.microsoft.com/office/drawing/2010/main" val="0"/>
+              </a:ext>
+            </a:extLst>
+          </a:blip>
+          <a:stretch>
+            <a:fillRect/>
+          </a:stretch>
+        </p:blipFill>
+        <p:spPr>
+          <a:xfrm>
+            <a:off x="609600" y="0"/>
+            <a:ext cx="10972799" cy="6858000"/>
+          </a:xfrm>
+          <a:prstGeom prst="rect">
+            <a:avLst/>
+          </a:prstGeom>
+        </p:spPr>
+      </p:pic>
+    </p:spTree>
+    <p:extLst>
+      <p:ext uri="{BB962C8B-B14F-4D97-AF65-F5344CB8AC3E}">
+        <p14:creationId xmlns:p14="http://schemas.microsoft.com/office/powerpoint/2010/main" val="1169463070"/>
+      </p:ext>
+    </p:extLst>
+  </p:cSld>
+  <p:clrMapOvr>
+    <a:masterClrMapping/>
+  </p:clrMapOvr>
+</p:sld>
+</file>
+
+<file path=ppt/slides/slide7.xml><?xml version="1.0" encoding="utf-8"?>
+<p:sld xmlns:a="http://schemas.openxmlformats.org/drawingml/2006/main" xmlns:r="http://schemas.openxmlformats.org/officeDocument/2006/relationships" xmlns:p="http://schemas.openxmlformats.org/presentationml/2006/main">
+  <p:cSld>
+    <p:spTree>
+      <p:nvGrpSpPr>
+        <p:cNvPr id="1" name=""/>
+        <p:cNvGrpSpPr/>
+        <p:nvPr/>
+      </p:nvGrpSpPr>
+      <p:grpSpPr>
+        <a:xfrm>
+          <a:off x="0" y="0"/>
+          <a:ext cx="0" cy="0"/>
+          <a:chOff x="0" y="0"/>
+          <a:chExt cx="0" cy="0"/>
+        </a:xfrm>
+      </p:grpSpPr>
       <p:sp>
         <p:nvSpPr>
           <p:cNvPr id="4" name="タイトル 1">
@@ -6979,76 +7046,6 @@
           </a:p>
         </p:txBody>
       </p:sp>
-      <p:pic>
-        <p:nvPicPr>
-          <p:cNvPr id="10" name="図 9" descr="コンピューターのスクリーンショット&#10;&#10;自動的に生成された説明">
-            <a:extLst>
-              <a:ext uri="{FF2B5EF4-FFF2-40B4-BE49-F238E27FC236}">
-                <a16:creationId xmlns:a16="http://schemas.microsoft.com/office/drawing/2014/main" id="{ECFE2093-9314-457B-0585-99BBFA0BCDFB}"/>
-              </a:ext>
-            </a:extLst>
-          </p:cNvPr>
-          <p:cNvPicPr>
-            <a:picLocks noChangeAspect="1"/>
-          </p:cNvPicPr>
-          <p:nvPr/>
-        </p:nvPicPr>
-        <p:blipFill rotWithShape="1">
-          <a:blip r:embed="rId2">
-            <a:extLst>
-              <a:ext uri="{28A0092B-C50C-407E-A947-70E740481C1C}">
-                <a14:useLocalDpi xmlns:a14="http://schemas.microsoft.com/office/drawing/2010/main" val="0"/>
-              </a:ext>
-            </a:extLst>
-          </a:blip>
-          <a:srcRect l="43292" t="14184" r="30201" b="24255"/>
-          <a:stretch/>
-        </p:blipFill>
-        <p:spPr>
-          <a:xfrm>
-            <a:off x="9134573" y="-1"/>
-            <a:ext cx="3057427" cy="4437869"/>
-          </a:xfrm>
-          <a:prstGeom prst="rect">
-            <a:avLst/>
-          </a:prstGeom>
-        </p:spPr>
-      </p:pic>
-      <p:pic>
-        <p:nvPicPr>
-          <p:cNvPr id="12" name="図 11" descr="グラフィカル ユーザー インターフェイス, グラフ, じょうごグラフ&#10;&#10;自動的に生成された説明">
-            <a:extLst>
-              <a:ext uri="{FF2B5EF4-FFF2-40B4-BE49-F238E27FC236}">
-                <a16:creationId xmlns:a16="http://schemas.microsoft.com/office/drawing/2014/main" id="{A3122E4E-F043-1421-DD83-2832F2868B3A}"/>
-              </a:ext>
-            </a:extLst>
-          </p:cNvPr>
-          <p:cNvPicPr>
-            <a:picLocks noChangeAspect="1"/>
-          </p:cNvPicPr>
-          <p:nvPr/>
-        </p:nvPicPr>
-        <p:blipFill rotWithShape="1">
-          <a:blip r:embed="rId3">
-            <a:extLst>
-              <a:ext uri="{28A0092B-C50C-407E-A947-70E740481C1C}">
-                <a14:useLocalDpi xmlns:a14="http://schemas.microsoft.com/office/drawing/2010/main" val="0"/>
-              </a:ext>
-            </a:extLst>
-          </a:blip>
-          <a:srcRect l="42493" t="28653" r="30999" b="40425"/>
-          <a:stretch/>
-        </p:blipFill>
-        <p:spPr>
-          <a:xfrm>
-            <a:off x="9134572" y="4610763"/>
-            <a:ext cx="3057427" cy="2229161"/>
-          </a:xfrm>
-          <a:prstGeom prst="rect">
-            <a:avLst/>
-          </a:prstGeom>
-        </p:spPr>
-      </p:pic>
       <p:sp>
         <p:nvSpPr>
           <p:cNvPr id="13" name="正方形/長方形 12">
@@ -7101,288 +7098,47 @@
           </a:p>
         </p:txBody>
       </p:sp>
-    </p:spTree>
-    <p:extLst>
-      <p:ext uri="{BB962C8B-B14F-4D97-AF65-F5344CB8AC3E}">
-        <p14:creationId xmlns:p14="http://schemas.microsoft.com/office/powerpoint/2010/main" val="481573869"/>
-      </p:ext>
-    </p:extLst>
-  </p:cSld>
-  <p:clrMapOvr>
-    <a:masterClrMapping/>
-  </p:clrMapOvr>
-</p:sld>
-</file>
-
-<file path=ppt/slides/slide7.xml><?xml version="1.0" encoding="utf-8"?>
-<p:sld xmlns:a="http://schemas.openxmlformats.org/drawingml/2006/main" xmlns:r="http://schemas.openxmlformats.org/officeDocument/2006/relationships" xmlns:p="http://schemas.openxmlformats.org/presentationml/2006/main">
-  <p:cSld>
-    <p:spTree>
-      <p:nvGrpSpPr>
-        <p:cNvPr id="1" name=""/>
-        <p:cNvGrpSpPr/>
-        <p:nvPr/>
-      </p:nvGrpSpPr>
-      <p:grpSpPr>
-        <a:xfrm>
-          <a:off x="0" y="0"/>
-          <a:ext cx="0" cy="0"/>
-          <a:chOff x="0" y="0"/>
-          <a:chExt cx="0" cy="0"/>
-        </a:xfrm>
-      </p:grpSpPr>
-      <p:sp>
-        <p:nvSpPr>
-          <p:cNvPr id="3" name="コンテンツ プレースホルダー 2">
-            <a:extLst>
-              <a:ext uri="{FF2B5EF4-FFF2-40B4-BE49-F238E27FC236}">
-                <a16:creationId xmlns:a16="http://schemas.microsoft.com/office/drawing/2014/main" id="{00C83F62-33A9-4A29-4365-2E6004F19CD2}"/>
-              </a:ext>
-            </a:extLst>
-          </p:cNvPr>
-          <p:cNvSpPr>
-            <a:spLocks noGrp="1"/>
-          </p:cNvSpPr>
-          <p:nvPr>
-            <p:ph idx="1"/>
-          </p:nvPr>
-        </p:nvSpPr>
+      <p:pic>
+        <p:nvPicPr>
+          <p:cNvPr id="3" name="図 2" descr="コンピューターのスクリーンショット&#10;&#10;自動的に生成された説明">
+            <a:extLst>
+              <a:ext uri="{FF2B5EF4-FFF2-40B4-BE49-F238E27FC236}">
+                <a16:creationId xmlns:a16="http://schemas.microsoft.com/office/drawing/2014/main" id="{C6AE71F0-C272-613D-F7AD-72DE4978E3E8}"/>
+              </a:ext>
+            </a:extLst>
+          </p:cNvPr>
+          <p:cNvPicPr>
+            <a:picLocks noChangeAspect="1"/>
+          </p:cNvPicPr>
+          <p:nvPr/>
+        </p:nvPicPr>
+        <p:blipFill rotWithShape="1">
+          <a:blip r:embed="rId2">
+            <a:extLst>
+              <a:ext uri="{28A0092B-C50C-407E-A947-70E740481C1C}">
+                <a14:useLocalDpi xmlns:a14="http://schemas.microsoft.com/office/drawing/2010/main" val="0"/>
+              </a:ext>
+            </a:extLst>
+          </a:blip>
+          <a:srcRect l="45046" t="31340" r="32360" b="41443"/>
+          <a:stretch/>
+        </p:blipFill>
         <p:spPr>
           <a:xfrm>
-            <a:off x="838200" y="1281008"/>
-            <a:ext cx="10515600" cy="5203479"/>
-          </a:xfrm>
-        </p:spPr>
-        <p:txBody>
-          <a:bodyPr>
-            <a:normAutofit/>
-          </a:bodyPr>
-          <a:lstStyle/>
-          <a:p>
-            <a:r>
-              <a:rPr lang="ja-JP" altLang="en-US" sz="2400" b="1" dirty="0"/>
-              <a:t>時間変化</a:t>
-            </a:r>
-            <a:r>
-              <a:rPr lang="en-US" altLang="ja-JP" sz="2400" b="1" dirty="0"/>
-              <a:t>(1</a:t>
-            </a:r>
-            <a:r>
-              <a:rPr lang="ja-JP" altLang="en-US" sz="2400" b="1" dirty="0"/>
-              <a:t>月中旬～</a:t>
-            </a:r>
-            <a:r>
-              <a:rPr lang="en-US" altLang="ja-JP" sz="2400" b="1" dirty="0"/>
-              <a:t>)</a:t>
-            </a:r>
-            <a:br>
-              <a:rPr lang="en-US" altLang="ja-JP" sz="2400" u="sng" dirty="0"/>
-            </a:br>
-            <a:r>
-              <a:rPr lang="ja-JP" altLang="en-US" sz="2400" dirty="0"/>
-              <a:t>できないっぽい→あれ、できそう</a:t>
-            </a:r>
-            <a:r>
-              <a:rPr lang="en-US" altLang="ja-JP" sz="2400" dirty="0"/>
-              <a:t>…?</a:t>
-            </a:r>
-            <a:r>
-              <a:rPr lang="ja-JP" altLang="en-US" sz="2400" dirty="0"/>
-              <a:t>→できない。を繰り返した</a:t>
-            </a:r>
-            <a:br>
-              <a:rPr lang="en-US" altLang="ja-JP" sz="2400" dirty="0"/>
-            </a:br>
-            <a:r>
-              <a:rPr lang="ja-JP" altLang="en-US" sz="2400" dirty="0"/>
-              <a:t>「シミュレーション中のある段階ごとの磁場・電場の変化は可能だが</a:t>
-            </a:r>
-            <a:br>
-              <a:rPr lang="en-US" altLang="ja-JP" sz="2400" dirty="0"/>
-            </a:br>
-            <a:r>
-              <a:rPr lang="ja-JP" altLang="en-US" sz="2400" dirty="0"/>
-              <a:t>　正確な時間毎の変化はできなそう」と結論</a:t>
-            </a:r>
-            <a:br>
-              <a:rPr lang="en-US" altLang="ja-JP" sz="2400" dirty="0"/>
-            </a:br>
-            <a:r>
-              <a:rPr lang="ja-JP" altLang="en-US" sz="2400" dirty="0"/>
-              <a:t>これにより電場の時間変化のシミュレーションが厳しいという現実を知る</a:t>
-            </a:r>
-            <a:br>
-              <a:rPr lang="en-US" altLang="ja-JP" sz="2400" dirty="0"/>
-            </a:br>
-            <a:r>
-              <a:rPr lang="ja-JP" altLang="en-US" sz="2400" dirty="0"/>
-              <a:t>　→再加速軌道に復帰する粒子が実際よりも多くなる</a:t>
-            </a:r>
-            <a:br>
-              <a:rPr lang="en-US" altLang="ja-JP" sz="2400" dirty="0"/>
-            </a:br>
-            <a:r>
-              <a:rPr lang="ja-JP" altLang="en-US" sz="2400" dirty="0"/>
-              <a:t>　　→それでも気圧</a:t>
-            </a:r>
-            <a:r>
-              <a:rPr lang="en-US" altLang="ja-JP" sz="2400" dirty="0"/>
-              <a:t>(</a:t>
-            </a:r>
-            <a:r>
-              <a:rPr lang="ja-JP" altLang="en-US" sz="2400" dirty="0"/>
-              <a:t>空気の密度</a:t>
-            </a:r>
-            <a:r>
-              <a:rPr lang="en-US" altLang="ja-JP" sz="2400" dirty="0"/>
-              <a:t>)</a:t>
-            </a:r>
-            <a:r>
-              <a:rPr lang="ja-JP" altLang="en-US" sz="2400" dirty="0"/>
-              <a:t>による粒子の放出量の</a:t>
-            </a:r>
-            <a:r>
-              <a:rPr lang="ja-JP" altLang="en-US" sz="2400" b="1" dirty="0"/>
-              <a:t>変化</a:t>
-            </a:r>
-            <a:r>
-              <a:rPr lang="ja-JP" altLang="en-US" sz="2400" dirty="0"/>
-              <a:t>は観測可能</a:t>
-            </a:r>
-            <a:br>
-              <a:rPr lang="en-US" altLang="ja-JP" sz="2400" dirty="0"/>
-            </a:br>
-            <a:r>
-              <a:rPr lang="ja-JP" altLang="en-US" sz="2400" dirty="0"/>
-              <a:t>　　　ではないかと考え継続</a:t>
-            </a:r>
-            <a:br>
-              <a:rPr lang="en-US" altLang="ja-JP" sz="2400" dirty="0"/>
-            </a:br>
-            <a:endParaRPr lang="en-US" altLang="ja-JP" sz="2400" dirty="0"/>
-          </a:p>
-          <a:p>
-            <a:r>
-              <a:rPr lang="ja-JP" altLang="en-US" sz="2400" b="1" dirty="0"/>
-              <a:t>気体作成</a:t>
-            </a:r>
-            <a:r>
-              <a:rPr lang="en-US" altLang="ja-JP" sz="2400" b="1" dirty="0"/>
-              <a:t>(1</a:t>
-            </a:r>
-            <a:r>
-              <a:rPr lang="ja-JP" altLang="en-US" sz="2400" b="1" dirty="0"/>
-              <a:t>月中旬～</a:t>
-            </a:r>
-            <a:r>
-              <a:rPr lang="en-US" altLang="ja-JP" sz="2400" b="1" dirty="0"/>
-              <a:t>)</a:t>
-            </a:r>
-            <a:br>
-              <a:rPr lang="en-US" altLang="ja-JP" sz="2400" dirty="0"/>
-            </a:br>
-            <a:r>
-              <a:rPr lang="ja-JP" altLang="en-US" sz="2400" dirty="0"/>
-              <a:t>気体の種類</a:t>
-            </a:r>
-            <a:r>
-              <a:rPr lang="en-US" altLang="ja-JP" sz="2400" dirty="0"/>
-              <a:t>(</a:t>
-            </a:r>
-            <a:r>
-              <a:rPr lang="ja-JP" altLang="en-US" sz="2400" dirty="0"/>
-              <a:t>水素</a:t>
-            </a:r>
-            <a:r>
-              <a:rPr lang="en-US" altLang="ja-JP" sz="2400" dirty="0"/>
-              <a:t>)</a:t>
-            </a:r>
-            <a:r>
-              <a:rPr lang="ja-JP" altLang="en-US" sz="2400" dirty="0"/>
-              <a:t>・気圧・密度・温度を設定</a:t>
-            </a:r>
-            <a:br>
-              <a:rPr lang="en-US" altLang="ja-JP" sz="2400" dirty="0"/>
-            </a:br>
-            <a:r>
-              <a:rPr lang="ja-JP" altLang="en-US" sz="2400" dirty="0"/>
-              <a:t>陽子との衝突は確認できた</a:t>
-            </a:r>
-            <a:br>
-              <a:rPr lang="en-US" altLang="ja-JP" sz="2400" dirty="0"/>
-            </a:br>
-            <a:r>
-              <a:rPr lang="ja-JP" altLang="en-US" sz="2400" dirty="0"/>
-              <a:t>→正しく作れているかは未確認</a:t>
-            </a:r>
-            <a:endParaRPr lang="en-US" altLang="ja-JP" sz="2400" dirty="0"/>
-          </a:p>
-        </p:txBody>
-      </p:sp>
-      <p:sp>
-        <p:nvSpPr>
-          <p:cNvPr id="6" name="タイトル 1">
-            <a:extLst>
-              <a:ext uri="{FF2B5EF4-FFF2-40B4-BE49-F238E27FC236}">
-                <a16:creationId xmlns:a16="http://schemas.microsoft.com/office/drawing/2014/main" id="{1BDAAB31-8278-9647-4EC9-FD15DC95DDD1}"/>
-              </a:ext>
-            </a:extLst>
-          </p:cNvPr>
-          <p:cNvSpPr txBox="1">
-            <a:spLocks/>
-          </p:cNvSpPr>
-          <p:nvPr/>
-        </p:nvSpPr>
-        <p:spPr>
-          <a:xfrm>
-            <a:off x="579375" y="373514"/>
-            <a:ext cx="10841610" cy="907494"/>
+            <a:off x="9134573" y="4556209"/>
+            <a:ext cx="3057427" cy="2301792"/>
           </a:xfrm>
           <a:prstGeom prst="rect">
             <a:avLst/>
           </a:prstGeom>
         </p:spPr>
-        <p:txBody>
-          <a:bodyPr vert="horz" lIns="91440" tIns="45720" rIns="91440" bIns="45720" rtlCol="0" anchor="ctr">
-            <a:normAutofit/>
-          </a:bodyPr>
-          <a:lstStyle>
-            <a:lvl1pPr algn="l" defTabSz="914400" rtl="0" eaLnBrk="1" latinLnBrk="0" hangingPunct="1">
-              <a:lnSpc>
-                <a:spcPct val="90000"/>
-              </a:lnSpc>
-              <a:spcBef>
-                <a:spcPct val="0"/>
-              </a:spcBef>
-              <a:buNone/>
-              <a:defRPr kumimoji="1" sz="4400" kern="1200">
-                <a:solidFill>
-                  <a:schemeClr val="tx1"/>
-                </a:solidFill>
-                <a:latin typeface="+mj-lt"/>
-                <a:ea typeface="+mj-ea"/>
-                <a:cs typeface="+mj-cs"/>
-              </a:defRPr>
-            </a:lvl1pPr>
-          </a:lstStyle>
-          <a:p>
-            <a:r>
-              <a:rPr lang="ja-JP" altLang="en-US" b="1" dirty="0"/>
-              <a:t>活動記録　</a:t>
-            </a:r>
-            <a:r>
-              <a:rPr lang="ja-JP" altLang="en-US" sz="3200" b="1" dirty="0"/>
-              <a:t>時間変化・気体作成</a:t>
-            </a:r>
-          </a:p>
-        </p:txBody>
-      </p:sp>
+      </p:pic>
       <p:pic>
         <p:nvPicPr>
-          <p:cNvPr id="8" name="図 7" descr="図形 が含まれている画像&#10;&#10;自動的に生成された説明">
-            <a:extLst>
-              <a:ext uri="{FF2B5EF4-FFF2-40B4-BE49-F238E27FC236}">
-                <a16:creationId xmlns:a16="http://schemas.microsoft.com/office/drawing/2014/main" id="{94D223FD-75F0-65CC-F9FA-F4D8F066F103}"/>
+          <p:cNvPr id="6" name="図 5">
+            <a:extLst>
+              <a:ext uri="{FF2B5EF4-FFF2-40B4-BE49-F238E27FC236}">
+                <a16:creationId xmlns:a16="http://schemas.microsoft.com/office/drawing/2014/main" id="{ECFC8362-EFDE-3C97-DE05-1D1669BD437B}"/>
               </a:ext>
             </a:extLst>
           </p:cNvPr>
@@ -7399,14 +7155,13 @@
               </a:ext>
             </a:extLst>
           </a:blip>
-          <a:stretch>
-            <a:fillRect/>
-          </a:stretch>
+          <a:srcRect/>
+          <a:stretch/>
         </p:blipFill>
         <p:spPr>
           <a:xfrm>
-            <a:off x="7223853" y="3822970"/>
-            <a:ext cx="4968148" cy="3035031"/>
+            <a:off x="8339042" y="0"/>
+            <a:ext cx="3852957" cy="4468305"/>
           </a:xfrm>
           <a:prstGeom prst="rect">
             <a:avLst/>
@@ -7416,7 +7171,7 @@
     </p:spTree>
     <p:extLst>
       <p:ext uri="{BB962C8B-B14F-4D97-AF65-F5344CB8AC3E}">
-        <p14:creationId xmlns:p14="http://schemas.microsoft.com/office/powerpoint/2010/main" val="3653402925"/>
+        <p14:creationId xmlns:p14="http://schemas.microsoft.com/office/powerpoint/2010/main" val="481573869"/>
       </p:ext>
     </p:extLst>
   </p:cSld>
@@ -7445,6 +7200,381 @@
       </p:grpSpPr>
       <p:sp>
         <p:nvSpPr>
+          <p:cNvPr id="3" name="コンテンツ プレースホルダー 2">
+            <a:extLst>
+              <a:ext uri="{FF2B5EF4-FFF2-40B4-BE49-F238E27FC236}">
+                <a16:creationId xmlns:a16="http://schemas.microsoft.com/office/drawing/2014/main" id="{00C83F62-33A9-4A29-4365-2E6004F19CD2}"/>
+              </a:ext>
+            </a:extLst>
+          </p:cNvPr>
+          <p:cNvSpPr>
+            <a:spLocks noGrp="1"/>
+          </p:cNvSpPr>
+          <p:nvPr>
+            <p:ph idx="1"/>
+          </p:nvPr>
+        </p:nvSpPr>
+        <p:spPr>
+          <a:xfrm>
+            <a:off x="838200" y="1281008"/>
+            <a:ext cx="10515600" cy="5203479"/>
+          </a:xfrm>
+        </p:spPr>
+        <p:txBody>
+          <a:bodyPr>
+            <a:normAutofit/>
+          </a:bodyPr>
+          <a:lstStyle/>
+          <a:p>
+            <a:r>
+              <a:rPr lang="ja-JP" altLang="en-US" sz="2400" b="1" dirty="0"/>
+              <a:t>時間変化</a:t>
+            </a:r>
+            <a:r>
+              <a:rPr lang="en-US" altLang="ja-JP" sz="2400" b="1" dirty="0"/>
+              <a:t>(1</a:t>
+            </a:r>
+            <a:r>
+              <a:rPr lang="ja-JP" altLang="en-US" sz="2400" b="1" dirty="0"/>
+              <a:t>月中旬～</a:t>
+            </a:r>
+            <a:r>
+              <a:rPr lang="en-US" altLang="ja-JP" sz="2400" b="1" dirty="0"/>
+              <a:t>)</a:t>
+            </a:r>
+            <a:br>
+              <a:rPr lang="en-US" altLang="ja-JP" sz="2400" u="sng" dirty="0"/>
+            </a:br>
+            <a:r>
+              <a:rPr lang="ja-JP" altLang="en-US" sz="2400" dirty="0"/>
+              <a:t>できないっぽい→あれ、できそう</a:t>
+            </a:r>
+            <a:r>
+              <a:rPr lang="en-US" altLang="ja-JP" sz="2400" dirty="0"/>
+              <a:t>…?</a:t>
+            </a:r>
+            <a:r>
+              <a:rPr lang="ja-JP" altLang="en-US" sz="2400" dirty="0"/>
+              <a:t>→できない。を繰り返した</a:t>
+            </a:r>
+            <a:br>
+              <a:rPr lang="en-US" altLang="ja-JP" sz="2400" dirty="0"/>
+            </a:br>
+            <a:r>
+              <a:rPr lang="ja-JP" altLang="en-US" sz="2400" dirty="0"/>
+              <a:t>「シミュレーション中のある段階ごとの磁場・電場の変化は可能だが</a:t>
+            </a:r>
+            <a:br>
+              <a:rPr lang="en-US" altLang="ja-JP" sz="2400" dirty="0"/>
+            </a:br>
+            <a:r>
+              <a:rPr lang="ja-JP" altLang="en-US" sz="2400" dirty="0"/>
+              <a:t>　正確な時間毎の変化はできなそう」と結論</a:t>
+            </a:r>
+            <a:br>
+              <a:rPr lang="en-US" altLang="ja-JP" sz="2400" dirty="0"/>
+            </a:br>
+            <a:r>
+              <a:rPr lang="ja-JP" altLang="en-US" sz="2400" dirty="0"/>
+              <a:t>これにより電場の時間変化のシミュレーションが厳しいという現実を知る</a:t>
+            </a:r>
+            <a:br>
+              <a:rPr lang="en-US" altLang="ja-JP" sz="2400" dirty="0"/>
+            </a:br>
+            <a:r>
+              <a:rPr lang="ja-JP" altLang="en-US" sz="2400" dirty="0"/>
+              <a:t>　→再加速軌道に復帰する粒子が実際よりも多くなる</a:t>
+            </a:r>
+            <a:br>
+              <a:rPr lang="en-US" altLang="ja-JP" sz="2400" dirty="0"/>
+            </a:br>
+            <a:r>
+              <a:rPr lang="ja-JP" altLang="en-US" sz="2400" dirty="0"/>
+              <a:t>　　→それでも気圧</a:t>
+            </a:r>
+            <a:r>
+              <a:rPr lang="en-US" altLang="ja-JP" sz="2400" dirty="0"/>
+              <a:t>(</a:t>
+            </a:r>
+            <a:r>
+              <a:rPr lang="ja-JP" altLang="en-US" sz="2400" dirty="0"/>
+              <a:t>空気の密度</a:t>
+            </a:r>
+            <a:r>
+              <a:rPr lang="en-US" altLang="ja-JP" sz="2400" dirty="0"/>
+              <a:t>)</a:t>
+            </a:r>
+            <a:r>
+              <a:rPr lang="ja-JP" altLang="en-US" sz="2400" dirty="0"/>
+              <a:t>による粒子の放出量の</a:t>
+            </a:r>
+            <a:r>
+              <a:rPr lang="ja-JP" altLang="en-US" sz="2400" b="1" dirty="0"/>
+              <a:t>変化</a:t>
+            </a:r>
+            <a:r>
+              <a:rPr lang="ja-JP" altLang="en-US" sz="2400" dirty="0"/>
+              <a:t>は観測可能</a:t>
+            </a:r>
+            <a:br>
+              <a:rPr lang="en-US" altLang="ja-JP" sz="2400" dirty="0"/>
+            </a:br>
+            <a:r>
+              <a:rPr lang="ja-JP" altLang="en-US" sz="2400" dirty="0"/>
+              <a:t>　　　ではないかと考え継続</a:t>
+            </a:r>
+            <a:br>
+              <a:rPr lang="en-US" altLang="ja-JP" sz="2400" dirty="0"/>
+            </a:br>
+            <a:endParaRPr lang="en-US" altLang="ja-JP" sz="2400" dirty="0"/>
+          </a:p>
+          <a:p>
+            <a:r>
+              <a:rPr lang="ja-JP" altLang="en-US" sz="2400" b="1" dirty="0"/>
+              <a:t>気体作成</a:t>
+            </a:r>
+            <a:r>
+              <a:rPr lang="en-US" altLang="ja-JP" sz="2400" b="1" dirty="0"/>
+              <a:t>(1</a:t>
+            </a:r>
+            <a:r>
+              <a:rPr lang="ja-JP" altLang="en-US" sz="2400" b="1" dirty="0"/>
+              <a:t>月中旬～</a:t>
+            </a:r>
+            <a:r>
+              <a:rPr lang="en-US" altLang="ja-JP" sz="2400" b="1" dirty="0"/>
+              <a:t>)</a:t>
+            </a:r>
+            <a:br>
+              <a:rPr lang="en-US" altLang="ja-JP" sz="2400" dirty="0"/>
+            </a:br>
+            <a:r>
+              <a:rPr lang="ja-JP" altLang="en-US" sz="2400" dirty="0"/>
+              <a:t>気体の種類</a:t>
+            </a:r>
+            <a:r>
+              <a:rPr lang="en-US" altLang="ja-JP" sz="2400" dirty="0"/>
+              <a:t>(</a:t>
+            </a:r>
+            <a:r>
+              <a:rPr lang="ja-JP" altLang="en-US" sz="2400" dirty="0"/>
+              <a:t>水素</a:t>
+            </a:r>
+            <a:r>
+              <a:rPr lang="en-US" altLang="ja-JP" sz="2400" dirty="0"/>
+              <a:t>)</a:t>
+            </a:r>
+            <a:r>
+              <a:rPr lang="ja-JP" altLang="en-US" sz="2400" dirty="0"/>
+              <a:t>・気圧・密度・温度を設定</a:t>
+            </a:r>
+            <a:br>
+              <a:rPr lang="en-US" altLang="ja-JP" sz="2400" dirty="0"/>
+            </a:br>
+            <a:r>
+              <a:rPr lang="ja-JP" altLang="en-US" sz="2400" dirty="0"/>
+              <a:t>陽子との衝突は確認できた</a:t>
+            </a:r>
+            <a:br>
+              <a:rPr lang="en-US" altLang="ja-JP" sz="2400" dirty="0"/>
+            </a:br>
+            <a:r>
+              <a:rPr lang="ja-JP" altLang="en-US" sz="2400" dirty="0"/>
+              <a:t>→正しく作れているかは未確認</a:t>
+            </a:r>
+            <a:endParaRPr lang="en-US" altLang="ja-JP" sz="2400" dirty="0"/>
+          </a:p>
+        </p:txBody>
+      </p:sp>
+      <p:sp>
+        <p:nvSpPr>
+          <p:cNvPr id="6" name="タイトル 1">
+            <a:extLst>
+              <a:ext uri="{FF2B5EF4-FFF2-40B4-BE49-F238E27FC236}">
+                <a16:creationId xmlns:a16="http://schemas.microsoft.com/office/drawing/2014/main" id="{1BDAAB31-8278-9647-4EC9-FD15DC95DDD1}"/>
+              </a:ext>
+            </a:extLst>
+          </p:cNvPr>
+          <p:cNvSpPr txBox="1">
+            <a:spLocks/>
+          </p:cNvSpPr>
+          <p:nvPr/>
+        </p:nvSpPr>
+        <p:spPr>
+          <a:xfrm>
+            <a:off x="579375" y="373514"/>
+            <a:ext cx="10841610" cy="907494"/>
+          </a:xfrm>
+          <a:prstGeom prst="rect">
+            <a:avLst/>
+          </a:prstGeom>
+        </p:spPr>
+        <p:txBody>
+          <a:bodyPr vert="horz" lIns="91440" tIns="45720" rIns="91440" bIns="45720" rtlCol="0" anchor="ctr">
+            <a:normAutofit/>
+          </a:bodyPr>
+          <a:lstStyle>
+            <a:lvl1pPr algn="l" defTabSz="914400" rtl="0" eaLnBrk="1" latinLnBrk="0" hangingPunct="1">
+              <a:lnSpc>
+                <a:spcPct val="90000"/>
+              </a:lnSpc>
+              <a:spcBef>
+                <a:spcPct val="0"/>
+              </a:spcBef>
+              <a:buNone/>
+              <a:defRPr kumimoji="1" sz="4400" kern="1200">
+                <a:solidFill>
+                  <a:schemeClr val="tx1"/>
+                </a:solidFill>
+                <a:latin typeface="+mj-lt"/>
+                <a:ea typeface="+mj-ea"/>
+                <a:cs typeface="+mj-cs"/>
+              </a:defRPr>
+            </a:lvl1pPr>
+          </a:lstStyle>
+          <a:p>
+            <a:r>
+              <a:rPr lang="ja-JP" altLang="en-US" b="1" dirty="0"/>
+              <a:t>活動記録　</a:t>
+            </a:r>
+            <a:r>
+              <a:rPr lang="ja-JP" altLang="en-US" sz="3200" b="1" dirty="0"/>
+              <a:t>時間変化・気体作成</a:t>
+            </a:r>
+          </a:p>
+        </p:txBody>
+      </p:sp>
+      <p:pic>
+        <p:nvPicPr>
+          <p:cNvPr id="8" name="図 7" descr="図形 が含まれている画像&#10;&#10;自動的に生成された説明">
+            <a:extLst>
+              <a:ext uri="{FF2B5EF4-FFF2-40B4-BE49-F238E27FC236}">
+                <a16:creationId xmlns:a16="http://schemas.microsoft.com/office/drawing/2014/main" id="{94D223FD-75F0-65CC-F9FA-F4D8F066F103}"/>
+              </a:ext>
+            </a:extLst>
+          </p:cNvPr>
+          <p:cNvPicPr>
+            <a:picLocks noChangeAspect="1"/>
+          </p:cNvPicPr>
+          <p:nvPr/>
+        </p:nvPicPr>
+        <p:blipFill>
+          <a:blip r:embed="rId3">
+            <a:extLst>
+              <a:ext uri="{28A0092B-C50C-407E-A947-70E740481C1C}">
+                <a14:useLocalDpi xmlns:a14="http://schemas.microsoft.com/office/drawing/2010/main" val="0"/>
+              </a:ext>
+            </a:extLst>
+          </a:blip>
+          <a:stretch>
+            <a:fillRect/>
+          </a:stretch>
+        </p:blipFill>
+        <p:spPr>
+          <a:xfrm>
+            <a:off x="7223853" y="3822970"/>
+            <a:ext cx="4968148" cy="3035031"/>
+          </a:xfrm>
+          <a:prstGeom prst="rect">
+            <a:avLst/>
+          </a:prstGeom>
+        </p:spPr>
+      </p:pic>
+      <p:sp>
+        <p:nvSpPr>
+          <p:cNvPr id="2" name="テキスト ボックス 1">
+            <a:extLst>
+              <a:ext uri="{FF2B5EF4-FFF2-40B4-BE49-F238E27FC236}">
+                <a16:creationId xmlns:a16="http://schemas.microsoft.com/office/drawing/2014/main" id="{515397A9-109D-2529-F89E-1E903006B8E7}"/>
+              </a:ext>
+            </a:extLst>
+          </p:cNvPr>
+          <p:cNvSpPr txBox="1"/>
+          <p:nvPr/>
+        </p:nvSpPr>
+        <p:spPr>
+          <a:xfrm>
+            <a:off x="1124247" y="5955055"/>
+            <a:ext cx="6032421" cy="830997"/>
+          </a:xfrm>
+          <a:prstGeom prst="rect">
+            <a:avLst/>
+          </a:prstGeom>
+          <a:noFill/>
+        </p:spPr>
+        <p:txBody>
+          <a:bodyPr wrap="none" rtlCol="0">
+            <a:spAutoFit/>
+          </a:bodyPr>
+          <a:lstStyle/>
+          <a:p>
+            <a:pPr algn="r"/>
+            <a:r>
+              <a:rPr lang="ja-JP" altLang="en-US" sz="2400" b="0" i="0" dirty="0">
+                <a:solidFill>
+                  <a:srgbClr val="1F2328"/>
+                </a:solidFill>
+                <a:effectLst/>
+                <a:latin typeface="-apple-system"/>
+              </a:rPr>
+              <a:t>気体粒子と陽子の衝突によって衝突電離　</a:t>
+            </a:r>
+            <a:endParaRPr lang="en-US" altLang="ja-JP" sz="2400" b="0" i="0" dirty="0">
+              <a:solidFill>
+                <a:srgbClr val="1F2328"/>
+              </a:solidFill>
+              <a:effectLst/>
+              <a:latin typeface="-apple-system"/>
+            </a:endParaRPr>
+          </a:p>
+          <a:p>
+            <a:pPr algn="r"/>
+            <a:r>
+              <a:rPr lang="ja-JP" altLang="en-US" sz="2400" b="0" i="0" dirty="0">
+                <a:solidFill>
+                  <a:srgbClr val="1F2328"/>
+                </a:solidFill>
+                <a:effectLst/>
+                <a:latin typeface="-apple-system"/>
+              </a:rPr>
+              <a:t>電子が放出→</a:t>
+            </a:r>
+            <a:endParaRPr kumimoji="1" lang="ja-JP" altLang="en-US" sz="2400" dirty="0"/>
+          </a:p>
+        </p:txBody>
+      </p:sp>
+    </p:spTree>
+    <p:extLst>
+      <p:ext uri="{BB962C8B-B14F-4D97-AF65-F5344CB8AC3E}">
+        <p14:creationId xmlns:p14="http://schemas.microsoft.com/office/powerpoint/2010/main" val="3653402925"/>
+      </p:ext>
+    </p:extLst>
+  </p:cSld>
+  <p:clrMapOvr>
+    <a:masterClrMapping/>
+  </p:clrMapOvr>
+</p:sld>
+</file>
+
+<file path=ppt/slides/slide9.xml><?xml version="1.0" encoding="utf-8"?>
+<p:sld xmlns:a="http://schemas.openxmlformats.org/drawingml/2006/main" xmlns:r="http://schemas.openxmlformats.org/officeDocument/2006/relationships" xmlns:p="http://schemas.openxmlformats.org/presentationml/2006/main">
+  <p:cSld>
+    <p:spTree>
+      <p:nvGrpSpPr>
+        <p:cNvPr id="1" name=""/>
+        <p:cNvGrpSpPr/>
+        <p:nvPr/>
+      </p:nvGrpSpPr>
+      <p:grpSpPr>
+        <a:xfrm>
+          <a:off x="0" y="0"/>
+          <a:ext cx="0" cy="0"/>
+          <a:chOff x="0" y="0"/>
+          <a:chExt cx="0" cy="0"/>
+        </a:xfrm>
+      </p:grpSpPr>
+      <p:sp>
+        <p:nvSpPr>
           <p:cNvPr id="2" name="タイトル 1">
             <a:extLst>
               <a:ext uri="{FF2B5EF4-FFF2-40B4-BE49-F238E27FC236}">
@@ -7490,7 +7620,7 @@
         <p:spPr>
           <a:xfrm>
             <a:off x="838200" y="1825625"/>
-            <a:ext cx="6420439" cy="4351338"/>
+            <a:ext cx="6420439" cy="4895686"/>
           </a:xfrm>
         </p:spPr>
         <p:txBody>
@@ -7580,6 +7710,26 @@
               </a:rPr>
               <a:t>知恵を貸していただきたい！！！！！</a:t>
             </a:r>
+            <a:endParaRPr lang="en-US" altLang="ja-JP" sz="2400" b="1" dirty="0">
+              <a:solidFill>
+                <a:srgbClr val="FF0000"/>
+              </a:solidFill>
+            </a:endParaRPr>
+          </a:p>
+          <a:p>
+            <a:pPr marL="0" indent="0">
+              <a:buNone/>
+            </a:pPr>
+            <a:r>
+              <a:rPr lang="ja-JP" altLang="en-US" sz="2400" dirty="0"/>
+              <a:t>・情報の共有に齟齬が生じていた</a:t>
+            </a:r>
+            <a:endParaRPr lang="en-US" altLang="ja-JP" sz="2400" dirty="0"/>
+          </a:p>
+          <a:p>
+            <a:pPr marL="0" indent="0">
+              <a:buNone/>
+            </a:pPr>
             <a:endParaRPr lang="en-US" altLang="ja-JP" sz="2400" b="1" dirty="0">
               <a:solidFill>
                 <a:srgbClr val="FF0000"/>
@@ -7625,7 +7775,7 @@
       </p:sp>
       <p:pic>
         <p:nvPicPr>
-          <p:cNvPr id="7" name="図 6" descr="コンピューターのスクリーンショット&#10;&#10;自動的に生成された説明">
+          <p:cNvPr id="7" name="図 6">
             <a:extLst>
               <a:ext uri="{FF2B5EF4-FFF2-40B4-BE49-F238E27FC236}">
                 <a16:creationId xmlns:a16="http://schemas.microsoft.com/office/drawing/2014/main" id="{CDA938CD-5E44-48BB-40FB-C10FF24F65FB}"/>
@@ -7645,13 +7795,13 @@
               </a:ext>
             </a:extLst>
           </a:blip>
-          <a:srcRect l="40922" t="13883" r="28923" b="23986"/>
+          <a:srcRect l="42181" t="15158" r="30416" b="24639"/>
           <a:stretch/>
         </p:blipFill>
         <p:spPr>
           <a:xfrm>
-            <a:off x="7467825" y="1545995"/>
-            <a:ext cx="3308808" cy="4260917"/>
+            <a:off x="7527190" y="1480679"/>
+            <a:ext cx="3143951" cy="4317053"/>
           </a:xfrm>
           <a:prstGeom prst="rect">
             <a:avLst/>
